--- a/VB_AND_VB.NET/L8 - Looping Constructs and Iteration.pptx
+++ b/VB_AND_VB.NET/L8 - Looping Constructs and Iteration.pptx
@@ -213,7 +213,7 @@
           <a:p>
             <a:fld id="{75124139-BA33-9F4C-B908-4FDD8BB8A18B}" type="datetimeFigureOut">
               <a:rPr lang="en-US" smtClean="0"/>
-              <a:t>2/27/2021</a:t>
+              <a:t>1/13/2022</a:t>
             </a:fld>
             <a:endParaRPr lang="en-US"/>
           </a:p>
@@ -1970,7 +1970,7 @@
           <a:p>
             <a:fld id="{D19AAE9D-61D7-A845-B687-5F14A6752CE6}" type="datetimeFigureOut">
               <a:rPr lang="en-US" smtClean="0"/>
-              <a:t>2/27/2021</a:t>
+              <a:t>1/13/2022</a:t>
             </a:fld>
             <a:endParaRPr lang="en-US"/>
           </a:p>
@@ -2304,7 +2304,7 @@
           <a:p>
             <a:fld id="{D19AAE9D-61D7-A845-B687-5F14A6752CE6}" type="datetimeFigureOut">
               <a:rPr lang="en-US" smtClean="0"/>
-              <a:t>2/27/2021</a:t>
+              <a:t>1/13/2022</a:t>
             </a:fld>
             <a:endParaRPr lang="en-US"/>
           </a:p>
@@ -2582,7 +2582,7 @@
           <a:p>
             <a:fld id="{D19AAE9D-61D7-A845-B687-5F14A6752CE6}" type="datetimeFigureOut">
               <a:rPr lang="en-US" smtClean="0"/>
-              <a:t>2/27/2021</a:t>
+              <a:t>1/13/2022</a:t>
             </a:fld>
             <a:endParaRPr lang="en-US"/>
           </a:p>
@@ -3150,7 +3150,7 @@
           <a:p>
             <a:fld id="{D19AAE9D-61D7-A845-B687-5F14A6752CE6}" type="datetimeFigureOut">
               <a:rPr lang="en-US" smtClean="0"/>
-              <a:t>2/27/2021</a:t>
+              <a:t>1/13/2022</a:t>
             </a:fld>
             <a:endParaRPr lang="en-US"/>
           </a:p>
@@ -3428,7 +3428,7 @@
           <a:p>
             <a:fld id="{D19AAE9D-61D7-A845-B687-5F14A6752CE6}" type="datetimeFigureOut">
               <a:rPr lang="en-US" smtClean="0"/>
-              <a:t>2/27/2021</a:t>
+              <a:t>1/13/2022</a:t>
             </a:fld>
             <a:endParaRPr lang="en-US"/>
           </a:p>
@@ -3990,7 +3990,7 @@
           <a:p>
             <a:fld id="{D19AAE9D-61D7-A845-B687-5F14A6752CE6}" type="datetimeFigureOut">
               <a:rPr lang="en-US" smtClean="0"/>
-              <a:t>2/27/2021</a:t>
+              <a:t>1/13/2022</a:t>
             </a:fld>
             <a:endParaRPr lang="en-US"/>
           </a:p>
@@ -4317,7 +4317,7 @@
           <a:p>
             <a:fld id="{D19AAE9D-61D7-A845-B687-5F14A6752CE6}" type="datetimeFigureOut">
               <a:rPr lang="en-US" smtClean="0"/>
-              <a:t>2/27/2021</a:t>
+              <a:t>1/13/2022</a:t>
             </a:fld>
             <a:endParaRPr lang="en-US"/>
           </a:p>
@@ -4494,7 +4494,7 @@
           <a:p>
             <a:fld id="{D19AAE9D-61D7-A845-B687-5F14A6752CE6}" type="datetimeFigureOut">
               <a:rPr lang="en-US" smtClean="0"/>
-              <a:t>2/27/2021</a:t>
+              <a:t>1/13/2022</a:t>
             </a:fld>
             <a:endParaRPr lang="en-US"/>
           </a:p>
@@ -4732,7 +4732,7 @@
           <a:p>
             <a:fld id="{D19AAE9D-61D7-A845-B687-5F14A6752CE6}" type="datetimeFigureOut">
               <a:rPr lang="en-US" smtClean="0"/>
-              <a:t>2/27/2021</a:t>
+              <a:t>1/13/2022</a:t>
             </a:fld>
             <a:endParaRPr lang="en-US"/>
           </a:p>
@@ -4932,7 +4932,7 @@
           <a:p>
             <a:fld id="{D19AAE9D-61D7-A845-B687-5F14A6752CE6}" type="datetimeFigureOut">
               <a:rPr lang="en-US" smtClean="0"/>
-              <a:t>2/27/2021</a:t>
+              <a:t>1/13/2022</a:t>
             </a:fld>
             <a:endParaRPr lang="en-US"/>
           </a:p>
@@ -5208,7 +5208,7 @@
           <a:p>
             <a:fld id="{D19AAE9D-61D7-A845-B687-5F14A6752CE6}" type="datetimeFigureOut">
               <a:rPr lang="en-US" smtClean="0"/>
-              <a:t>2/27/2021</a:t>
+              <a:t>1/13/2022</a:t>
             </a:fld>
             <a:endParaRPr lang="en-US"/>
           </a:p>
@@ -5474,7 +5474,7 @@
           <a:p>
             <a:fld id="{D19AAE9D-61D7-A845-B687-5F14A6752CE6}" type="datetimeFigureOut">
               <a:rPr lang="en-US" smtClean="0"/>
-              <a:t>2/27/2021</a:t>
+              <a:t>1/13/2022</a:t>
             </a:fld>
             <a:endParaRPr lang="en-US"/>
           </a:p>
@@ -5848,7 +5848,7 @@
           <a:p>
             <a:fld id="{D19AAE9D-61D7-A845-B687-5F14A6752CE6}" type="datetimeFigureOut">
               <a:rPr lang="en-US" smtClean="0"/>
-              <a:t>2/27/2021</a:t>
+              <a:t>1/13/2022</a:t>
             </a:fld>
             <a:endParaRPr lang="en-US"/>
           </a:p>
@@ -5996,7 +5996,7 @@
           <a:p>
             <a:fld id="{D19AAE9D-61D7-A845-B687-5F14A6752CE6}" type="datetimeFigureOut">
               <a:rPr lang="en-US" smtClean="0"/>
-              <a:t>2/27/2021</a:t>
+              <a:t>1/13/2022</a:t>
             </a:fld>
             <a:endParaRPr lang="en-US"/>
           </a:p>
@@ -6121,7 +6121,7 @@
           <a:p>
             <a:fld id="{D19AAE9D-61D7-A845-B687-5F14A6752CE6}" type="datetimeFigureOut">
               <a:rPr lang="en-US" smtClean="0"/>
-              <a:t>2/27/2021</a:t>
+              <a:t>1/13/2022</a:t>
             </a:fld>
             <a:endParaRPr lang="en-US"/>
           </a:p>
@@ -6406,7 +6406,7 @@
           <a:p>
             <a:fld id="{D19AAE9D-61D7-A845-B687-5F14A6752CE6}" type="datetimeFigureOut">
               <a:rPr lang="en-US" smtClean="0"/>
-              <a:t>2/27/2021</a:t>
+              <a:t>1/13/2022</a:t>
             </a:fld>
             <a:endParaRPr lang="en-US"/>
           </a:p>
@@ -6730,7 +6730,7 @@
           <a:p>
             <a:fld id="{D19AAE9D-61D7-A845-B687-5F14A6752CE6}" type="datetimeFigureOut">
               <a:rPr lang="en-US" smtClean="0"/>
-              <a:t>2/27/2021</a:t>
+              <a:t>1/13/2022</a:t>
             </a:fld>
             <a:endParaRPr lang="en-US"/>
           </a:p>
@@ -6944,7 +6944,7 @@
           <a:p>
             <a:fld id="{D19AAE9D-61D7-A845-B687-5F14A6752CE6}" type="datetimeFigureOut">
               <a:rPr lang="en-US" smtClean="0"/>
-              <a:t>2/27/2021</a:t>
+              <a:t>1/13/2022</a:t>
             </a:fld>
             <a:endParaRPr lang="en-US"/>
           </a:p>
@@ -8166,12 +8166,8 @@
           <a:lstStyle/>
           <a:p>
             <a:r>
-              <a:rPr lang="en-US" dirty="0" smtClean="0"/>
-              <a:t>FOR NEXT </a:t>
-            </a:r>
-            <a:r>
               <a:rPr lang="en-US" dirty="0"/>
-              <a:t>loop</a:t>
+              <a:t>FOR NEXT loop</a:t>
             </a:r>
           </a:p>
         </p:txBody>
@@ -8198,46 +8194,22 @@
           <a:lstStyle/>
           <a:p>
             <a:r>
-              <a:rPr lang="en-SG" dirty="0" smtClean="0"/>
-              <a:t>- May </a:t>
-            </a:r>
-            <a:r>
               <a:rPr lang="en-SG" dirty="0"/>
-              <a:t>prematurely leave </a:t>
-            </a:r>
-            <a:r>
-              <a:rPr lang="en-SG" dirty="0" smtClean="0"/>
-              <a:t>the </a:t>
-            </a:r>
-            <a:r>
-              <a:rPr lang="en-US" dirty="0" smtClean="0"/>
-              <a:t>loop </a:t>
+              <a:t>- May prematurely leave the </a:t>
             </a:r>
             <a:r>
               <a:rPr lang="en-US" dirty="0"/>
-              <a:t>if desired using </a:t>
-            </a:r>
-            <a:r>
-              <a:rPr lang="en-US" dirty="0" smtClean="0"/>
-              <a:t>Exit </a:t>
-            </a:r>
-            <a:r>
-              <a:rPr lang="en-SG" dirty="0" smtClean="0"/>
-              <a:t>keyword</a:t>
+              <a:t>loop if desired using Exit </a:t>
             </a:r>
             <a:r>
               <a:rPr lang="en-SG" dirty="0"/>
-              <a:t>:</a:t>
-            </a:r>
-          </a:p>
-          <a:p>
-            <a:r>
-              <a:rPr lang="en-SG" dirty="0" smtClean="0"/>
-              <a:t>- Exit </a:t>
-            </a:r>
+              <a:t>keyword:</a:t>
+            </a:r>
+          </a:p>
+          <a:p>
             <a:r>
               <a:rPr lang="en-SG" dirty="0"/>
-              <a:t>While</a:t>
+              <a:t>- Exit While</a:t>
             </a:r>
             <a:endParaRPr lang="en-SG" i="1" dirty="0"/>
           </a:p>
@@ -8811,11 +8783,7 @@
             </a:pPr>
             <a:r>
               <a:rPr lang="en-US" dirty="0"/>
-              <a:t>We are going to </a:t>
-            </a:r>
-            <a:r>
-              <a:rPr lang="en-US" dirty="0" smtClean="0"/>
-              <a:t>create a multiplication table</a:t>
+              <a:t>We are going to create a multiplication table</a:t>
             </a:r>
           </a:p>
           <a:p>
@@ -8823,15 +8791,15 @@
               <a:buAutoNum type="arabicPeriod"/>
             </a:pPr>
             <a:r>
-              <a:rPr lang="en-US" dirty="0" smtClean="0"/>
+              <a:rPr lang="en-US" dirty="0"/>
               <a:t>When I click the multiplication table it should generate the 1</a:t>
             </a:r>
             <a:r>
-              <a:rPr lang="en-US" baseline="30000" dirty="0" smtClean="0"/>
+              <a:rPr lang="en-US" baseline="30000" dirty="0"/>
               <a:t>st</a:t>
             </a:r>
             <a:r>
-              <a:rPr lang="en-US" dirty="0" smtClean="0"/>
+              <a:rPr lang="en-US" dirty="0"/>
               <a:t> 10 numbers of the multiplication table for this number.</a:t>
             </a:r>
           </a:p>
@@ -8840,7 +8808,7 @@
               <a:buAutoNum type="arabicPeriod"/>
             </a:pPr>
             <a:r>
-              <a:rPr lang="en-US" dirty="0" smtClean="0"/>
+              <a:rPr lang="en-US" dirty="0"/>
               <a:t>When I click clear it should clear all the values inside the table.</a:t>
             </a:r>
           </a:p>
@@ -8849,10 +8817,9 @@
               <a:buAutoNum type="arabicPeriod"/>
             </a:pPr>
             <a:r>
-              <a:rPr lang="en-US" dirty="0" smtClean="0"/>
+              <a:rPr lang="en-US" dirty="0"/>
               <a:t>We assume only valid numbers to be added into the textbox.</a:t>
             </a:r>
-            <a:endParaRPr lang="en-US" dirty="0"/>
           </a:p>
         </p:txBody>
       </p:sp>
@@ -8937,10 +8904,9 @@
           <a:lstStyle/>
           <a:p>
             <a:r>
-              <a:rPr lang="en-US" dirty="0" smtClean="0"/>
+              <a:rPr lang="en-US" dirty="0"/>
               <a:t>Heads up for your exercise</a:t>
             </a:r>
-            <a:endParaRPr lang="en-US" dirty="0"/>
           </a:p>
         </p:txBody>
       </p:sp>
@@ -8976,7 +8942,7 @@
               <a:buNone/>
             </a:pPr>
             <a:r>
-              <a:rPr lang="en-US" dirty="0" smtClean="0"/>
+              <a:rPr lang="en-US" dirty="0"/>
               <a:t>You need to convert the datatype inside the textbox from string to integer in order for this project to work.</a:t>
             </a:r>
           </a:p>
@@ -8985,7 +8951,7 @@
               <a:buNone/>
             </a:pPr>
             <a:r>
-              <a:rPr lang="en-US" dirty="0" smtClean="0"/>
+              <a:rPr lang="en-US" dirty="0"/>
               <a:t>Do use the reference link below to help you get started.</a:t>
             </a:r>
           </a:p>
@@ -9003,19 +8969,12 @@
               <a:rPr lang="en-US" dirty="0">
                 <a:hlinkClick r:id="rId3"/>
               </a:rPr>
-              <a:t>https://</a:t>
-            </a:r>
-            <a:r>
-              <a:rPr lang="en-US" dirty="0" smtClean="0">
-                <a:hlinkClick r:id="rId3"/>
-              </a:rPr>
-              <a:t>www.convertdatatypes.com/Convert-Single-to-Integer-in-VB6-VBA.html</a:t>
-            </a:r>
-            <a:r>
-              <a:rPr lang="en-US" dirty="0" smtClean="0"/>
+              <a:t>https://www.convertdatatypes.com/Convert-Single-to-Integer-in-VB6-VBA.html</a:t>
+            </a:r>
+            <a:r>
+              <a:rPr lang="en-US" dirty="0"/>
               <a:t> </a:t>
             </a:r>
-            <a:endParaRPr lang="en-US" dirty="0"/>
           </a:p>
         </p:txBody>
       </p:sp>
@@ -9941,46 +9900,22 @@
           <a:lstStyle/>
           <a:p>
             <a:r>
-              <a:rPr lang="en-SG" dirty="0" smtClean="0"/>
-              <a:t>- May </a:t>
-            </a:r>
-            <a:r>
               <a:rPr lang="en-SG" dirty="0"/>
-              <a:t>prematurely leave </a:t>
-            </a:r>
-            <a:r>
-              <a:rPr lang="en-SG" dirty="0" smtClean="0"/>
-              <a:t>the </a:t>
-            </a:r>
-            <a:r>
-              <a:rPr lang="en-US" dirty="0" smtClean="0"/>
-              <a:t>loop </a:t>
+              <a:t>- May prematurely leave the </a:t>
             </a:r>
             <a:r>
               <a:rPr lang="en-US" dirty="0"/>
-              <a:t>if desired using </a:t>
-            </a:r>
-            <a:r>
-              <a:rPr lang="en-US" dirty="0" smtClean="0"/>
-              <a:t>Exit </a:t>
-            </a:r>
-            <a:r>
-              <a:rPr lang="en-SG" dirty="0" smtClean="0"/>
-              <a:t>keyword</a:t>
+              <a:t>loop if desired using Exit </a:t>
             </a:r>
             <a:r>
               <a:rPr lang="en-SG" dirty="0"/>
-              <a:t>:</a:t>
-            </a:r>
-          </a:p>
-          <a:p>
-            <a:r>
-              <a:rPr lang="en-SG" dirty="0" smtClean="0"/>
-              <a:t>- Exit </a:t>
-            </a:r>
+              <a:t>keyword:</a:t>
+            </a:r>
+          </a:p>
+          <a:p>
             <a:r>
               <a:rPr lang="en-SG" dirty="0"/>
-              <a:t>While</a:t>
+              <a:t>- Exit While</a:t>
             </a:r>
             <a:endParaRPr lang="en-SG" i="1" dirty="0"/>
           </a:p>
@@ -9996,13 +9931,6 @@
   <p:clrMapOvr>
     <a:masterClrMapping/>
   </p:clrMapOvr>
-  <p:timing>
-    <p:tnLst>
-      <p:par>
-        <p:cTn id="1" dur="indefinite" restart="never" nodeType="tmRoot"/>
-      </p:par>
-    </p:tnLst>
-  </p:timing>
 </p:sld>
 </file>
 
@@ -10091,13 +10019,6 @@
   <p:clrMapOvr>
     <a:masterClrMapping/>
   </p:clrMapOvr>
-  <p:timing>
-    <p:tnLst>
-      <p:par>
-        <p:cTn id="1" dur="indefinite" restart="never" nodeType="tmRoot"/>
-      </p:par>
-    </p:tnLst>
-  </p:timing>
 </p:sld>
 </file>
 
